--- a/!Document/개발자료/Require/DFD/DFD.pptx
+++ b/!Document/개발자료/Require/DFD/DFD.pptx
@@ -107,6 +107,11 @@
       </a:defRPr>
     </a:lvl9pPr>
   </p:defaultTextStyle>
+  <p:extLst>
+    <p:ext uri="{EFAFB233-063F-42B5-8137-9DF3F51BA10A}">
+      <p15:sldGuideLst xmlns:p15="http://schemas.microsoft.com/office/powerpoint/2012/main"/>
+    </p:ext>
+  </p:extLst>
 </p:presentation>
 </file>
 
@@ -155,7 +160,6 @@
               <a:rPr lang="ko-KR" altLang="en-US"/>
               <a:t>마스터 제목 스타일 편집</a:t>
             </a:r>
-            <a:endParaRPr lang="ko-KR" altLang="en-US"/>
           </a:p>
         </p:txBody>
       </p:sp>
@@ -220,7 +224,6 @@
               <a:rPr lang="ko-KR" altLang="en-US"/>
               <a:t>클릭하여 마스터 부제목 스타일 편집</a:t>
             </a:r>
-            <a:endParaRPr lang="ko-KR" altLang="en-US"/>
           </a:p>
         </p:txBody>
       </p:sp>
@@ -241,7 +244,7 @@
           <a:p>
             <a:fld id="{0E1EDCDF-FBB8-466A-AAA2-B0D233E208FA}" type="datetimeFigureOut">
               <a:rPr lang="ko-KR" altLang="en-US" smtClean="0"/>
-              <a:t>2016-07-24</a:t>
+              <a:t>2016-08-09</a:t>
             </a:fld>
             <a:endParaRPr lang="ko-KR" altLang="en-US"/>
           </a:p>
@@ -338,7 +341,6 @@
               <a:rPr lang="ko-KR" altLang="en-US"/>
               <a:t>마스터 제목 스타일 편집</a:t>
             </a:r>
-            <a:endParaRPr lang="ko-KR" altLang="en-US"/>
           </a:p>
         </p:txBody>
       </p:sp>
@@ -390,7 +392,6 @@
               <a:rPr lang="ko-KR" altLang="en-US"/>
               <a:t>다섯째 수준</a:t>
             </a:r>
-            <a:endParaRPr lang="ko-KR" altLang="en-US"/>
           </a:p>
         </p:txBody>
       </p:sp>
@@ -411,7 +412,7 @@
           <a:p>
             <a:fld id="{0E1EDCDF-FBB8-466A-AAA2-B0D233E208FA}" type="datetimeFigureOut">
               <a:rPr lang="ko-KR" altLang="en-US" smtClean="0"/>
-              <a:t>2016-07-24</a:t>
+              <a:t>2016-08-09</a:t>
             </a:fld>
             <a:endParaRPr lang="ko-KR" altLang="en-US"/>
           </a:p>
@@ -513,7 +514,6 @@
               <a:rPr lang="ko-KR" altLang="en-US"/>
               <a:t>마스터 제목 스타일 편집</a:t>
             </a:r>
-            <a:endParaRPr lang="ko-KR" altLang="en-US"/>
           </a:p>
         </p:txBody>
       </p:sp>
@@ -570,7 +570,6 @@
               <a:rPr lang="ko-KR" altLang="en-US"/>
               <a:t>다섯째 수준</a:t>
             </a:r>
-            <a:endParaRPr lang="ko-KR" altLang="en-US"/>
           </a:p>
         </p:txBody>
       </p:sp>
@@ -591,7 +590,7 @@
           <a:p>
             <a:fld id="{0E1EDCDF-FBB8-466A-AAA2-B0D233E208FA}" type="datetimeFigureOut">
               <a:rPr lang="ko-KR" altLang="en-US" smtClean="0"/>
-              <a:t>2016-07-24</a:t>
+              <a:t>2016-08-09</a:t>
             </a:fld>
             <a:endParaRPr lang="ko-KR" altLang="en-US"/>
           </a:p>
@@ -688,7 +687,6 @@
               <a:rPr lang="ko-KR" altLang="en-US"/>
               <a:t>마스터 제목 스타일 편집</a:t>
             </a:r>
-            <a:endParaRPr lang="ko-KR" altLang="en-US"/>
           </a:p>
         </p:txBody>
       </p:sp>
@@ -740,7 +738,6 @@
               <a:rPr lang="ko-KR" altLang="en-US"/>
               <a:t>다섯째 수준</a:t>
             </a:r>
-            <a:endParaRPr lang="ko-KR" altLang="en-US"/>
           </a:p>
         </p:txBody>
       </p:sp>
@@ -761,7 +758,7 @@
           <a:p>
             <a:fld id="{0E1EDCDF-FBB8-466A-AAA2-B0D233E208FA}" type="datetimeFigureOut">
               <a:rPr lang="ko-KR" altLang="en-US" smtClean="0"/>
-              <a:t>2016-07-24</a:t>
+              <a:t>2016-08-09</a:t>
             </a:fld>
             <a:endParaRPr lang="ko-KR" altLang="en-US"/>
           </a:p>
@@ -867,7 +864,6 @@
               <a:rPr lang="ko-KR" altLang="en-US"/>
               <a:t>마스터 제목 스타일 편집</a:t>
             </a:r>
-            <a:endParaRPr lang="ko-KR" altLang="en-US"/>
           </a:p>
         </p:txBody>
       </p:sp>
@@ -1007,7 +1003,7 @@
           <a:p>
             <a:fld id="{0E1EDCDF-FBB8-466A-AAA2-B0D233E208FA}" type="datetimeFigureOut">
               <a:rPr lang="ko-KR" altLang="en-US" smtClean="0"/>
-              <a:t>2016-07-24</a:t>
+              <a:t>2016-08-09</a:t>
             </a:fld>
             <a:endParaRPr lang="ko-KR" altLang="en-US"/>
           </a:p>
@@ -1104,7 +1100,6 @@
               <a:rPr lang="ko-KR" altLang="en-US"/>
               <a:t>마스터 제목 스타일 편집</a:t>
             </a:r>
-            <a:endParaRPr lang="ko-KR" altLang="en-US"/>
           </a:p>
         </p:txBody>
       </p:sp>
@@ -1161,7 +1156,6 @@
               <a:rPr lang="ko-KR" altLang="en-US"/>
               <a:t>다섯째 수준</a:t>
             </a:r>
-            <a:endParaRPr lang="ko-KR" altLang="en-US"/>
           </a:p>
         </p:txBody>
       </p:sp>
@@ -1218,7 +1212,6 @@
               <a:rPr lang="ko-KR" altLang="en-US"/>
               <a:t>다섯째 수준</a:t>
             </a:r>
-            <a:endParaRPr lang="ko-KR" altLang="en-US"/>
           </a:p>
         </p:txBody>
       </p:sp>
@@ -1239,7 +1232,7 @@
           <a:p>
             <a:fld id="{0E1EDCDF-FBB8-466A-AAA2-B0D233E208FA}" type="datetimeFigureOut">
               <a:rPr lang="ko-KR" altLang="en-US" smtClean="0"/>
-              <a:t>2016-07-24</a:t>
+              <a:t>2016-08-09</a:t>
             </a:fld>
             <a:endParaRPr lang="ko-KR" altLang="en-US"/>
           </a:p>
@@ -1341,7 +1334,6 @@
               <a:rPr lang="ko-KR" altLang="en-US"/>
               <a:t>마스터 제목 스타일 편집</a:t>
             </a:r>
-            <a:endParaRPr lang="ko-KR" altLang="en-US"/>
           </a:p>
         </p:txBody>
       </p:sp>
@@ -1463,7 +1455,6 @@
               <a:rPr lang="ko-KR" altLang="en-US"/>
               <a:t>다섯째 수준</a:t>
             </a:r>
-            <a:endParaRPr lang="ko-KR" altLang="en-US"/>
           </a:p>
         </p:txBody>
       </p:sp>
@@ -1585,7 +1576,6 @@
               <a:rPr lang="ko-KR" altLang="en-US"/>
               <a:t>다섯째 수준</a:t>
             </a:r>
-            <a:endParaRPr lang="ko-KR" altLang="en-US"/>
           </a:p>
         </p:txBody>
       </p:sp>
@@ -1606,7 +1596,7 @@
           <a:p>
             <a:fld id="{0E1EDCDF-FBB8-466A-AAA2-B0D233E208FA}" type="datetimeFigureOut">
               <a:rPr lang="ko-KR" altLang="en-US" smtClean="0"/>
-              <a:t>2016-07-24</a:t>
+              <a:t>2016-08-09</a:t>
             </a:fld>
             <a:endParaRPr lang="ko-KR" altLang="en-US"/>
           </a:p>
@@ -1703,7 +1693,6 @@
               <a:rPr lang="ko-KR" altLang="en-US"/>
               <a:t>마스터 제목 스타일 편집</a:t>
             </a:r>
-            <a:endParaRPr lang="ko-KR" altLang="en-US"/>
           </a:p>
         </p:txBody>
       </p:sp>
@@ -1724,7 +1713,7 @@
           <a:p>
             <a:fld id="{0E1EDCDF-FBB8-466A-AAA2-B0D233E208FA}" type="datetimeFigureOut">
               <a:rPr lang="ko-KR" altLang="en-US" smtClean="0"/>
-              <a:t>2016-07-24</a:t>
+              <a:t>2016-08-09</a:t>
             </a:fld>
             <a:endParaRPr lang="ko-KR" altLang="en-US"/>
           </a:p>
@@ -1819,7 +1808,7 @@
           <a:p>
             <a:fld id="{0E1EDCDF-FBB8-466A-AAA2-B0D233E208FA}" type="datetimeFigureOut">
               <a:rPr lang="ko-KR" altLang="en-US" smtClean="0"/>
-              <a:t>2016-07-24</a:t>
+              <a:t>2016-08-09</a:t>
             </a:fld>
             <a:endParaRPr lang="ko-KR" altLang="en-US"/>
           </a:p>
@@ -1925,7 +1914,6 @@
               <a:rPr lang="ko-KR" altLang="en-US"/>
               <a:t>마스터 제목 스타일 편집</a:t>
             </a:r>
-            <a:endParaRPr lang="ko-KR" altLang="en-US"/>
           </a:p>
         </p:txBody>
       </p:sp>
@@ -2010,7 +1998,6 @@
               <a:rPr lang="ko-KR" altLang="en-US"/>
               <a:t>다섯째 수준</a:t>
             </a:r>
-            <a:endParaRPr lang="ko-KR" altLang="en-US"/>
           </a:p>
         </p:txBody>
       </p:sp>
@@ -2096,7 +2083,7 @@
           <a:p>
             <a:fld id="{0E1EDCDF-FBB8-466A-AAA2-B0D233E208FA}" type="datetimeFigureOut">
               <a:rPr lang="ko-KR" altLang="en-US" smtClean="0"/>
-              <a:t>2016-07-24</a:t>
+              <a:t>2016-08-09</a:t>
             </a:fld>
             <a:endParaRPr lang="ko-KR" altLang="en-US"/>
           </a:p>
@@ -2202,7 +2189,6 @@
               <a:rPr lang="ko-KR" altLang="en-US"/>
               <a:t>마스터 제목 스타일 편집</a:t>
             </a:r>
-            <a:endParaRPr lang="ko-KR" altLang="en-US"/>
           </a:p>
         </p:txBody>
       </p:sp>
@@ -2349,7 +2335,7 @@
           <a:p>
             <a:fld id="{0E1EDCDF-FBB8-466A-AAA2-B0D233E208FA}" type="datetimeFigureOut">
               <a:rPr lang="ko-KR" altLang="en-US" smtClean="0"/>
-              <a:t>2016-07-24</a:t>
+              <a:t>2016-08-09</a:t>
             </a:fld>
             <a:endParaRPr lang="ko-KR" altLang="en-US"/>
           </a:p>
@@ -2461,7 +2447,6 @@
               <a:rPr lang="ko-KR" altLang="en-US"/>
               <a:t>마스터 제목 스타일 편집</a:t>
             </a:r>
-            <a:endParaRPr lang="ko-KR" altLang="en-US"/>
           </a:p>
         </p:txBody>
       </p:sp>
@@ -2523,7 +2508,6 @@
               <a:rPr lang="ko-KR" altLang="en-US"/>
               <a:t>다섯째 수준</a:t>
             </a:r>
-            <a:endParaRPr lang="ko-KR" altLang="en-US"/>
           </a:p>
         </p:txBody>
       </p:sp>
@@ -2562,7 +2546,7 @@
           <a:p>
             <a:fld id="{0E1EDCDF-FBB8-466A-AAA2-B0D233E208FA}" type="datetimeFigureOut">
               <a:rPr lang="ko-KR" altLang="en-US" smtClean="0"/>
-              <a:t>2016-07-24</a:t>
+              <a:t>2016-08-09</a:t>
             </a:fld>
             <a:endParaRPr lang="ko-KR" altLang="en-US"/>
           </a:p>
@@ -5056,18 +5040,22 @@
       </p:grpSpPr>
       <p:sp>
         <p:nvSpPr>
-          <p:cNvPr id="4" name="타원 3"/>
+          <p:cNvPr id="5" name="직사각형 4"/>
           <p:cNvSpPr/>
           <p:nvPr/>
         </p:nvSpPr>
         <p:spPr>
           <a:xfrm>
-            <a:off x="4765964" y="2320967"/>
-            <a:ext cx="1773381" cy="1274618"/>
-          </a:xfrm>
-          <a:prstGeom prst="ellipse">
-            <a:avLst/>
-          </a:prstGeom>
+            <a:off x="5346156" y="5636008"/>
+            <a:ext cx="1773381" cy="858981"/>
+          </a:xfrm>
+          <a:prstGeom prst="rect">
+            <a:avLst/>
+          </a:prstGeom>
+          <a:solidFill>
+            <a:schemeClr val="accent1"/>
+          </a:solidFill>
+          <a:ln cap="flat"/>
         </p:spPr>
         <p:style>
           <a:lnRef idx="2">
@@ -5092,6 +5080,81 @@
             <a:pPr algn="ctr"/>
             <a:r>
               <a:rPr lang="ko-KR" altLang="en-US" dirty="0"/>
+              <a:t>평점 </a:t>
+            </a:r>
+            <a:r>
+              <a:rPr lang="en-US" altLang="ko-KR" dirty="0"/>
+              <a:t>DB</a:t>
+            </a:r>
+            <a:endParaRPr lang="ko-KR" altLang="en-US" dirty="0"/>
+          </a:p>
+        </p:txBody>
+      </p:sp>
+      <p:sp>
+        <p:nvSpPr>
+          <p:cNvPr id="40" name="TextBox 39"/>
+          <p:cNvSpPr txBox="1"/>
+          <p:nvPr/>
+        </p:nvSpPr>
+        <p:spPr>
+          <a:xfrm>
+            <a:off x="1532340" y="528013"/>
+            <a:ext cx="1341912" cy="369332"/>
+          </a:xfrm>
+          <a:prstGeom prst="rect">
+            <a:avLst/>
+          </a:prstGeom>
+          <a:noFill/>
+        </p:spPr>
+        <p:txBody>
+          <a:bodyPr wrap="square" rtlCol="0">
+            <a:spAutoFit/>
+          </a:bodyPr>
+          <a:lstStyle/>
+          <a:p>
+            <a:r>
+              <a:rPr lang="ko-KR" altLang="en-US" dirty="0"/>
+              <a:t>회원</a:t>
+            </a:r>
+            <a:r>
+              <a:rPr lang="en-US" altLang="ko-KR" dirty="0"/>
+              <a:t> </a:t>
+            </a:r>
+            <a:r>
+              <a:rPr lang="ko-KR" altLang="en-US" dirty="0"/>
+              <a:t>정보</a:t>
+            </a:r>
+          </a:p>
+        </p:txBody>
+      </p:sp>
+      <p:sp>
+        <p:nvSpPr>
+          <p:cNvPr id="72" name="TextBox 71"/>
+          <p:cNvSpPr txBox="1"/>
+          <p:nvPr/>
+        </p:nvSpPr>
+        <p:spPr>
+          <a:xfrm>
+            <a:off x="8567800" y="265893"/>
+            <a:ext cx="3442293" cy="646331"/>
+          </a:xfrm>
+          <a:prstGeom prst="rect">
+            <a:avLst/>
+          </a:prstGeom>
+          <a:noFill/>
+        </p:spPr>
+        <p:txBody>
+          <a:bodyPr wrap="square" rtlCol="0">
+            <a:spAutoFit/>
+          </a:bodyPr>
+          <a:lstStyle/>
+          <a:p>
+            <a:r>
+              <a:rPr lang="en-US" altLang="ko-KR" sz="3600" dirty="0"/>
+              <a:t>LV 3. </a:t>
+            </a:r>
+            <a:r>
+              <a:rPr lang="ko-KR" altLang="en-US" sz="3600" dirty="0"/>
               <a:t>평점 관리</a:t>
             </a:r>
           </a:p>
@@ -5099,22 +5162,55 @@
       </p:sp>
       <p:sp>
         <p:nvSpPr>
-          <p:cNvPr id="5" name="직사각형 4"/>
+          <p:cNvPr id="22" name="TextBox 21"/>
+          <p:cNvSpPr txBox="1"/>
+          <p:nvPr/>
+        </p:nvSpPr>
+        <p:spPr>
+          <a:xfrm>
+            <a:off x="-164296" y="528013"/>
+            <a:ext cx="1341912" cy="369332"/>
+          </a:xfrm>
+          <a:prstGeom prst="rect">
+            <a:avLst/>
+          </a:prstGeom>
+          <a:noFill/>
+        </p:spPr>
+        <p:txBody>
+          <a:bodyPr wrap="square" rtlCol="0">
+            <a:spAutoFit/>
+          </a:bodyPr>
+          <a:lstStyle/>
+          <a:p>
+            <a:r>
+              <a:rPr lang="ko-KR" altLang="en-US" dirty="0"/>
+              <a:t>게임</a:t>
+            </a:r>
+            <a:r>
+              <a:rPr lang="en-US" altLang="ko-KR" dirty="0"/>
+              <a:t> </a:t>
+            </a:r>
+            <a:r>
+              <a:rPr lang="ko-KR" altLang="en-US" dirty="0"/>
+              <a:t>정보</a:t>
+            </a:r>
+          </a:p>
+        </p:txBody>
+      </p:sp>
+      <p:sp>
+        <p:nvSpPr>
+          <p:cNvPr id="20" name="타원 19"/>
           <p:cNvSpPr/>
           <p:nvPr/>
         </p:nvSpPr>
         <p:spPr>
           <a:xfrm>
-            <a:off x="1849219" y="4568843"/>
-            <a:ext cx="1773381" cy="858981"/>
-          </a:xfrm>
-          <a:prstGeom prst="rect">
-            <a:avLst/>
-          </a:prstGeom>
-          <a:solidFill>
-            <a:schemeClr val="accent1"/>
-          </a:solidFill>
-          <a:ln cap="flat"/>
+            <a:off x="3537061" y="2844850"/>
+            <a:ext cx="1773381" cy="1274618"/>
+          </a:xfrm>
+          <a:prstGeom prst="ellipse">
+            <a:avLst/>
+          </a:prstGeom>
         </p:spPr>
         <p:style>
           <a:lnRef idx="2">
@@ -5139,29 +5235,67 @@
             <a:pPr algn="ctr"/>
             <a:r>
               <a:rPr lang="ko-KR" altLang="en-US" dirty="0"/>
-              <a:t>평점 </a:t>
-            </a:r>
-            <a:r>
-              <a:rPr lang="en-US" altLang="ko-KR" dirty="0"/>
-              <a:t>DB</a:t>
-            </a:r>
-            <a:endParaRPr lang="ko-KR" altLang="en-US" dirty="0"/>
+              <a:t>평점 삭제</a:t>
+            </a:r>
+          </a:p>
+        </p:txBody>
+      </p:sp>
+      <p:sp>
+        <p:nvSpPr>
+          <p:cNvPr id="23" name="타원 22"/>
+          <p:cNvSpPr/>
+          <p:nvPr/>
+        </p:nvSpPr>
+        <p:spPr>
+          <a:xfrm>
+            <a:off x="6232846" y="3070204"/>
+            <a:ext cx="1773381" cy="1274618"/>
+          </a:xfrm>
+          <a:prstGeom prst="ellipse">
+            <a:avLst/>
+          </a:prstGeom>
+        </p:spPr>
+        <p:style>
+          <a:lnRef idx="2">
+            <a:schemeClr val="accent1">
+              <a:shade val="50000"/>
+            </a:schemeClr>
+          </a:lnRef>
+          <a:fillRef idx="1">
+            <a:schemeClr val="accent1"/>
+          </a:fillRef>
+          <a:effectRef idx="0">
+            <a:schemeClr val="accent1"/>
+          </a:effectRef>
+          <a:fontRef idx="minor">
+            <a:schemeClr val="lt1"/>
+          </a:fontRef>
+        </p:style>
+        <p:txBody>
+          <a:bodyPr rtlCol="0" anchor="ctr"/>
+          <a:lstStyle/>
+          <a:p>
+            <a:pPr algn="ctr"/>
+            <a:r>
+              <a:rPr lang="ko-KR" altLang="en-US" dirty="0"/>
+              <a:t>평점 조회</a:t>
+            </a:r>
           </a:p>
         </p:txBody>
       </p:sp>
       <p:cxnSp>
         <p:nvCxnSpPr>
-          <p:cNvPr id="25" name="직선 화살표 연결선 24"/>
+          <p:cNvPr id="26" name="직선 화살표 연결선 25"/>
           <p:cNvCxnSpPr>
-            <a:stCxn id="4" idx="3"/>
-            <a:endCxn id="5" idx="0"/>
+            <a:stCxn id="79" idx="4"/>
+            <a:endCxn id="5" idx="1"/>
           </p:cNvCxnSpPr>
           <p:nvPr/>
         </p:nvCxnSpPr>
         <p:spPr>
-          <a:xfrm flipH="1">
-            <a:off x="2735910" y="3408922"/>
-            <a:ext cx="2289760" cy="1159921"/>
+          <a:xfrm>
+            <a:off x="911845" y="4300800"/>
+            <a:ext cx="4434311" cy="1764699"/>
           </a:xfrm>
           <a:prstGeom prst="straightConnector1">
             <a:avLst/>
@@ -5188,21 +5322,23 @@
       </p:cxnSp>
       <p:cxnSp>
         <p:nvCxnSpPr>
-          <p:cNvPr id="28" name="직선 화살표 연결선 27"/>
+          <p:cNvPr id="29" name="직선 화살표 연결선 28"/>
           <p:cNvCxnSpPr>
-            <a:endCxn id="4" idx="1"/>
+            <a:stCxn id="20" idx="4"/>
+            <a:endCxn id="5" idx="0"/>
           </p:cNvCxnSpPr>
           <p:nvPr/>
         </p:nvCxnSpPr>
         <p:spPr>
           <a:xfrm>
-            <a:off x="3225518" y="1302590"/>
-            <a:ext cx="1800152" cy="1205040"/>
+            <a:off x="4423752" y="4119468"/>
+            <a:ext cx="1809095" cy="1516540"/>
           </a:xfrm>
           <a:prstGeom prst="straightConnector1">
             <a:avLst/>
           </a:prstGeom>
           <a:ln w="25400">
+            <a:headEnd type="triangle" w="lg" len="lg"/>
             <a:tailEnd type="triangle" w="lg" len="lg"/>
           </a:ln>
         </p:spPr>
@@ -5223,21 +5359,23 @@
       </p:cxnSp>
       <p:cxnSp>
         <p:nvCxnSpPr>
-          <p:cNvPr id="34" name="직선 화살표 연결선 33"/>
+          <p:cNvPr id="37" name="직선 화살표 연결선 36"/>
           <p:cNvCxnSpPr>
-            <a:stCxn id="4" idx="6"/>
+            <a:stCxn id="23" idx="4"/>
+            <a:endCxn id="5" idx="0"/>
           </p:cNvCxnSpPr>
           <p:nvPr/>
         </p:nvCxnSpPr>
         <p:spPr>
-          <a:xfrm>
-            <a:off x="6539345" y="2958276"/>
-            <a:ext cx="2028455" cy="0"/>
+          <a:xfrm flipH="1">
+            <a:off x="6232847" y="4344822"/>
+            <a:ext cx="886690" cy="1291186"/>
           </a:xfrm>
           <a:prstGeom prst="straightConnector1">
             <a:avLst/>
           </a:prstGeom>
           <a:ln w="25400">
+            <a:headEnd type="triangle" w="lg" len="lg"/>
             <a:tailEnd type="triangle" w="lg" len="lg"/>
           </a:ln>
         </p:spPr>
@@ -5256,88 +5394,19 @@
           </a:fontRef>
         </p:style>
       </p:cxnSp>
-      <p:sp>
-        <p:nvSpPr>
-          <p:cNvPr id="40" name="TextBox 39"/>
-          <p:cNvSpPr txBox="1"/>
-          <p:nvPr/>
-        </p:nvSpPr>
-        <p:spPr>
-          <a:xfrm>
-            <a:off x="2417287" y="833275"/>
-            <a:ext cx="1341912" cy="369332"/>
-          </a:xfrm>
-          <a:prstGeom prst="rect">
-            <a:avLst/>
-          </a:prstGeom>
-          <a:noFill/>
-        </p:spPr>
-        <p:txBody>
-          <a:bodyPr wrap="square" rtlCol="0">
-            <a:spAutoFit/>
-          </a:bodyPr>
-          <a:lstStyle/>
-          <a:p>
-            <a:r>
-              <a:rPr lang="ko-KR" altLang="en-US" dirty="0"/>
-              <a:t>회원</a:t>
-            </a:r>
-            <a:r>
-              <a:rPr lang="en-US" altLang="ko-KR" dirty="0"/>
-              <a:t> </a:t>
-            </a:r>
-            <a:r>
-              <a:rPr lang="ko-KR" altLang="en-US" dirty="0"/>
-              <a:t>정보</a:t>
-            </a:r>
-          </a:p>
-        </p:txBody>
-      </p:sp>
-      <p:sp>
-        <p:nvSpPr>
-          <p:cNvPr id="72" name="TextBox 71"/>
-          <p:cNvSpPr txBox="1"/>
-          <p:nvPr/>
-        </p:nvSpPr>
-        <p:spPr>
-          <a:xfrm>
-            <a:off x="8567800" y="265893"/>
-            <a:ext cx="3442293" cy="646331"/>
-          </a:xfrm>
-          <a:prstGeom prst="rect">
-            <a:avLst/>
-          </a:prstGeom>
-          <a:noFill/>
-        </p:spPr>
-        <p:txBody>
-          <a:bodyPr wrap="square" rtlCol="0">
-            <a:spAutoFit/>
-          </a:bodyPr>
-          <a:lstStyle/>
-          <a:p>
-            <a:r>
-              <a:rPr lang="en-US" altLang="ko-KR" sz="3600" dirty="0"/>
-              <a:t>LV 2. </a:t>
-            </a:r>
-            <a:r>
-              <a:rPr lang="ko-KR" altLang="en-US" sz="3600" dirty="0"/>
-              <a:t>평점 관리</a:t>
-            </a:r>
-          </a:p>
-        </p:txBody>
-      </p:sp>
       <p:cxnSp>
         <p:nvCxnSpPr>
-          <p:cNvPr id="18" name="직선 화살표 연결선 17"/>
+          <p:cNvPr id="38" name="직선 화살표 연결선 37"/>
           <p:cNvCxnSpPr>
-            <a:endCxn id="4" idx="2"/>
+            <a:stCxn id="22" idx="2"/>
+            <a:endCxn id="73" idx="1"/>
           </p:cNvCxnSpPr>
           <p:nvPr/>
         </p:nvCxnSpPr>
         <p:spPr>
           <a:xfrm>
-            <a:off x="2262841" y="2393402"/>
-            <a:ext cx="2503123" cy="564874"/>
+            <a:off x="506660" y="897345"/>
+            <a:ext cx="284722" cy="747344"/>
           </a:xfrm>
           <a:prstGeom prst="straightConnector1">
             <a:avLst/>
@@ -5361,15 +5430,51 @@
           </a:fontRef>
         </p:style>
       </p:cxnSp>
-      <p:sp>
-        <p:nvSpPr>
-          <p:cNvPr id="22" name="TextBox 21"/>
+      <p:cxnSp>
+        <p:nvCxnSpPr>
+          <p:cNvPr id="39" name="직선 화살표 연결선 38"/>
+          <p:cNvCxnSpPr>
+            <a:stCxn id="40" idx="2"/>
+            <a:endCxn id="73" idx="7"/>
+          </p:cNvCxnSpPr>
+          <p:nvPr/>
+        </p:nvCxnSpPr>
+        <p:spPr>
+          <a:xfrm flipH="1">
+            <a:off x="2014261" y="897345"/>
+            <a:ext cx="189035" cy="747344"/>
+          </a:xfrm>
+          <a:prstGeom prst="straightConnector1">
+            <a:avLst/>
+          </a:prstGeom>
+          <a:ln w="25400">
+            <a:tailEnd type="triangle" w="lg" len="lg"/>
+          </a:ln>
+        </p:spPr>
+        <p:style>
+          <a:lnRef idx="1">
+            <a:schemeClr val="accent1"/>
+          </a:lnRef>
+          <a:fillRef idx="0">
+            <a:schemeClr val="accent1"/>
+          </a:fillRef>
+          <a:effectRef idx="0">
+            <a:schemeClr val="accent1"/>
+          </a:effectRef>
+          <a:fontRef idx="minor">
+            <a:schemeClr val="tx1"/>
+          </a:fontRef>
+        </p:style>
+      </p:cxnSp>
+      <p:sp>
+        <p:nvSpPr>
+          <p:cNvPr id="55" name="TextBox 54"/>
           <p:cNvSpPr txBox="1"/>
           <p:nvPr/>
         </p:nvSpPr>
         <p:spPr>
           <a:xfrm>
-            <a:off x="1690730" y="1872990"/>
+            <a:off x="4423752" y="1281618"/>
             <a:ext cx="1341912" cy="369332"/>
           </a:xfrm>
           <a:prstGeom prst="rect">
@@ -5385,7 +5490,7 @@
           <a:p>
             <a:r>
               <a:rPr lang="ko-KR" altLang="en-US" dirty="0"/>
-              <a:t>게임</a:t>
+              <a:t>회원</a:t>
             </a:r>
             <a:r>
               <a:rPr lang="en-US" altLang="ko-KR" dirty="0"/>
@@ -5400,14 +5505,14 @@
       </p:sp>
       <p:sp>
         <p:nvSpPr>
-          <p:cNvPr id="24" name="TextBox 23"/>
+          <p:cNvPr id="56" name="TextBox 55"/>
           <p:cNvSpPr txBox="1"/>
           <p:nvPr/>
         </p:nvSpPr>
         <p:spPr>
           <a:xfrm>
-            <a:off x="6566116" y="2428936"/>
-            <a:ext cx="2882684" cy="369332"/>
+            <a:off x="3081840" y="1281618"/>
+            <a:ext cx="1341912" cy="369332"/>
           </a:xfrm>
           <a:prstGeom prst="rect">
             <a:avLst/>
@@ -5422,21 +5527,337 @@
           <a:p>
             <a:r>
               <a:rPr lang="ko-KR" altLang="en-US" dirty="0"/>
-              <a:t>메인 화면 사용자 그래프</a:t>
-            </a:r>
-          </a:p>
-        </p:txBody>
-      </p:sp>
-      <p:sp>
-        <p:nvSpPr>
-          <p:cNvPr id="27" name="TextBox 26"/>
+              <a:t>게임</a:t>
+            </a:r>
+            <a:r>
+              <a:rPr lang="en-US" altLang="ko-KR" dirty="0"/>
+              <a:t> </a:t>
+            </a:r>
+            <a:r>
+              <a:rPr lang="ko-KR" altLang="en-US" dirty="0"/>
+              <a:t>정보</a:t>
+            </a:r>
+          </a:p>
+        </p:txBody>
+      </p:sp>
+      <p:cxnSp>
+        <p:nvCxnSpPr>
+          <p:cNvPr id="57" name="직선 화살표 연결선 56"/>
+          <p:cNvCxnSpPr>
+            <a:stCxn id="56" idx="2"/>
+          </p:cNvCxnSpPr>
+          <p:nvPr/>
+        </p:nvCxnSpPr>
+        <p:spPr>
+          <a:xfrm>
+            <a:off x="3752796" y="1650950"/>
+            <a:ext cx="43972" cy="1378412"/>
+          </a:xfrm>
+          <a:prstGeom prst="straightConnector1">
+            <a:avLst/>
+          </a:prstGeom>
+          <a:ln w="25400">
+            <a:tailEnd type="triangle" w="lg" len="lg"/>
+          </a:ln>
+        </p:spPr>
+        <p:style>
+          <a:lnRef idx="1">
+            <a:schemeClr val="accent1"/>
+          </a:lnRef>
+          <a:fillRef idx="0">
+            <a:schemeClr val="accent1"/>
+          </a:fillRef>
+          <a:effectRef idx="0">
+            <a:schemeClr val="accent1"/>
+          </a:effectRef>
+          <a:fontRef idx="minor">
+            <a:schemeClr val="tx1"/>
+          </a:fontRef>
+        </p:style>
+      </p:cxnSp>
+      <p:cxnSp>
+        <p:nvCxnSpPr>
+          <p:cNvPr id="58" name="직선 화살표 연결선 57"/>
+          <p:cNvCxnSpPr>
+            <a:stCxn id="55" idx="2"/>
+          </p:cNvCxnSpPr>
+          <p:nvPr/>
+        </p:nvCxnSpPr>
+        <p:spPr>
+          <a:xfrm flipH="1">
+            <a:off x="5050737" y="1650950"/>
+            <a:ext cx="43971" cy="1378412"/>
+          </a:xfrm>
+          <a:prstGeom prst="straightConnector1">
+            <a:avLst/>
+          </a:prstGeom>
+          <a:ln w="25400">
+            <a:tailEnd type="triangle" w="lg" len="lg"/>
+          </a:ln>
+        </p:spPr>
+        <p:style>
+          <a:lnRef idx="1">
+            <a:schemeClr val="accent1"/>
+          </a:lnRef>
+          <a:fillRef idx="0">
+            <a:schemeClr val="accent1"/>
+          </a:fillRef>
+          <a:effectRef idx="0">
+            <a:schemeClr val="accent1"/>
+          </a:effectRef>
+          <a:fontRef idx="minor">
+            <a:schemeClr val="tx1"/>
+          </a:fontRef>
+        </p:style>
+      </p:cxnSp>
+      <p:sp>
+        <p:nvSpPr>
+          <p:cNvPr id="73" name="타원 72"/>
+          <p:cNvSpPr/>
+          <p:nvPr/>
+        </p:nvSpPr>
+        <p:spPr>
+          <a:xfrm>
+            <a:off x="538116" y="1557695"/>
+            <a:ext cx="1729411" cy="594030"/>
+          </a:xfrm>
+          <a:prstGeom prst="ellipse">
+            <a:avLst/>
+          </a:prstGeom>
+        </p:spPr>
+        <p:style>
+          <a:lnRef idx="2">
+            <a:schemeClr val="accent1">
+              <a:shade val="50000"/>
+            </a:schemeClr>
+          </a:lnRef>
+          <a:fillRef idx="1">
+            <a:schemeClr val="accent1"/>
+          </a:fillRef>
+          <a:effectRef idx="0">
+            <a:schemeClr val="accent1"/>
+          </a:effectRef>
+          <a:fontRef idx="minor">
+            <a:schemeClr val="lt1"/>
+          </a:fontRef>
+        </p:style>
+        <p:txBody>
+          <a:bodyPr rtlCol="0" anchor="ctr"/>
+          <a:lstStyle/>
+          <a:p>
+            <a:pPr algn="ctr"/>
+            <a:r>
+              <a:rPr lang="ko-KR" altLang="en-US" dirty="0"/>
+              <a:t>평점 정보 중복 확인</a:t>
+            </a:r>
+          </a:p>
+        </p:txBody>
+      </p:sp>
+      <p:sp>
+        <p:nvSpPr>
+          <p:cNvPr id="79" name="타원 78"/>
+          <p:cNvSpPr/>
+          <p:nvPr/>
+        </p:nvSpPr>
+        <p:spPr>
+          <a:xfrm>
+            <a:off x="420867" y="3640450"/>
+            <a:ext cx="981955" cy="660350"/>
+          </a:xfrm>
+          <a:prstGeom prst="ellipse">
+            <a:avLst/>
+          </a:prstGeom>
+        </p:spPr>
+        <p:style>
+          <a:lnRef idx="2">
+            <a:schemeClr val="accent1">
+              <a:shade val="50000"/>
+            </a:schemeClr>
+          </a:lnRef>
+          <a:fillRef idx="1">
+            <a:schemeClr val="accent1"/>
+          </a:fillRef>
+          <a:effectRef idx="0">
+            <a:schemeClr val="accent1"/>
+          </a:effectRef>
+          <a:fontRef idx="minor">
+            <a:schemeClr val="lt1"/>
+          </a:fontRef>
+        </p:style>
+        <p:txBody>
+          <a:bodyPr rtlCol="0" anchor="ctr"/>
+          <a:lstStyle/>
+          <a:p>
+            <a:pPr algn="ctr"/>
+            <a:r>
+              <a:rPr lang="ko-KR" altLang="en-US" dirty="0"/>
+              <a:t>평점 입력</a:t>
+            </a:r>
+          </a:p>
+        </p:txBody>
+      </p:sp>
+      <p:sp>
+        <p:nvSpPr>
+          <p:cNvPr id="88" name="타원 87"/>
+          <p:cNvSpPr/>
+          <p:nvPr/>
+        </p:nvSpPr>
+        <p:spPr>
+          <a:xfrm>
+            <a:off x="1712319" y="3603838"/>
+            <a:ext cx="981955" cy="660350"/>
+          </a:xfrm>
+          <a:prstGeom prst="ellipse">
+            <a:avLst/>
+          </a:prstGeom>
+        </p:spPr>
+        <p:style>
+          <a:lnRef idx="2">
+            <a:schemeClr val="accent1">
+              <a:shade val="50000"/>
+            </a:schemeClr>
+          </a:lnRef>
+          <a:fillRef idx="1">
+            <a:schemeClr val="accent1"/>
+          </a:fillRef>
+          <a:effectRef idx="0">
+            <a:schemeClr val="accent1"/>
+          </a:effectRef>
+          <a:fontRef idx="minor">
+            <a:schemeClr val="lt1"/>
+          </a:fontRef>
+        </p:style>
+        <p:txBody>
+          <a:bodyPr rtlCol="0" anchor="ctr"/>
+          <a:lstStyle/>
+          <a:p>
+            <a:pPr algn="ctr"/>
+            <a:r>
+              <a:rPr lang="ko-KR" altLang="en-US" dirty="0"/>
+              <a:t>평점 수정</a:t>
+            </a:r>
+          </a:p>
+        </p:txBody>
+      </p:sp>
+      <p:cxnSp>
+        <p:nvCxnSpPr>
+          <p:cNvPr id="89" name="직선 화살표 연결선 88"/>
+          <p:cNvCxnSpPr>
+            <a:stCxn id="73" idx="4"/>
+            <a:endCxn id="79" idx="0"/>
+          </p:cNvCxnSpPr>
+          <p:nvPr/>
+        </p:nvCxnSpPr>
+        <p:spPr>
+          <a:xfrm flipH="1">
+            <a:off x="911845" y="2151725"/>
+            <a:ext cx="490977" cy="1488725"/>
+          </a:xfrm>
+          <a:prstGeom prst="straightConnector1">
+            <a:avLst/>
+          </a:prstGeom>
+          <a:ln w="25400">
+            <a:tailEnd type="triangle" w="lg" len="lg"/>
+          </a:ln>
+        </p:spPr>
+        <p:style>
+          <a:lnRef idx="1">
+            <a:schemeClr val="accent1"/>
+          </a:lnRef>
+          <a:fillRef idx="0">
+            <a:schemeClr val="accent1"/>
+          </a:fillRef>
+          <a:effectRef idx="0">
+            <a:schemeClr val="accent1"/>
+          </a:effectRef>
+          <a:fontRef idx="minor">
+            <a:schemeClr val="tx1"/>
+          </a:fontRef>
+        </p:style>
+      </p:cxnSp>
+      <p:cxnSp>
+        <p:nvCxnSpPr>
+          <p:cNvPr id="93" name="직선 화살표 연결선 92"/>
+          <p:cNvCxnSpPr>
+            <a:stCxn id="73" idx="4"/>
+            <a:endCxn id="88" idx="0"/>
+          </p:cNvCxnSpPr>
+          <p:nvPr/>
+        </p:nvCxnSpPr>
+        <p:spPr>
+          <a:xfrm>
+            <a:off x="1402822" y="2151725"/>
+            <a:ext cx="800475" cy="1452113"/>
+          </a:xfrm>
+          <a:prstGeom prst="straightConnector1">
+            <a:avLst/>
+          </a:prstGeom>
+          <a:ln w="25400">
+            <a:tailEnd type="triangle" w="lg" len="lg"/>
+          </a:ln>
+        </p:spPr>
+        <p:style>
+          <a:lnRef idx="1">
+            <a:schemeClr val="accent1"/>
+          </a:lnRef>
+          <a:fillRef idx="0">
+            <a:schemeClr val="accent1"/>
+          </a:fillRef>
+          <a:effectRef idx="0">
+            <a:schemeClr val="accent1"/>
+          </a:effectRef>
+          <a:fontRef idx="minor">
+            <a:schemeClr val="tx1"/>
+          </a:fontRef>
+        </p:style>
+      </p:cxnSp>
+      <p:cxnSp>
+        <p:nvCxnSpPr>
+          <p:cNvPr id="100" name="직선 화살표 연결선 99"/>
+          <p:cNvCxnSpPr>
+            <a:stCxn id="88" idx="4"/>
+            <a:endCxn id="5" idx="1"/>
+          </p:cNvCxnSpPr>
+          <p:nvPr/>
+        </p:nvCxnSpPr>
+        <p:spPr>
+          <a:xfrm>
+            <a:off x="2203297" y="4264188"/>
+            <a:ext cx="3142859" cy="1801311"/>
+          </a:xfrm>
+          <a:prstGeom prst="straightConnector1">
+            <a:avLst/>
+          </a:prstGeom>
+          <a:ln w="25400">
+            <a:headEnd type="triangle" w="lg" len="lg"/>
+            <a:tailEnd type="triangle" w="lg" len="lg"/>
+          </a:ln>
+        </p:spPr>
+        <p:style>
+          <a:lnRef idx="1">
+            <a:schemeClr val="accent1"/>
+          </a:lnRef>
+          <a:fillRef idx="0">
+            <a:schemeClr val="accent1"/>
+          </a:fillRef>
+          <a:effectRef idx="0">
+            <a:schemeClr val="accent1"/>
+          </a:effectRef>
+          <a:fontRef idx="minor">
+            <a:schemeClr val="tx1"/>
+          </a:fontRef>
+        </p:style>
+      </p:cxnSp>
+      <p:sp>
+        <p:nvSpPr>
+          <p:cNvPr id="110" name="TextBox 109"/>
           <p:cNvSpPr txBox="1"/>
           <p:nvPr/>
         </p:nvSpPr>
         <p:spPr>
           <a:xfrm>
-            <a:off x="6559688" y="3161987"/>
-            <a:ext cx="2889111" cy="369332"/>
+            <a:off x="6005236" y="901685"/>
+            <a:ext cx="1341912" cy="369332"/>
           </a:xfrm>
           <a:prstGeom prst="rect">
             <a:avLst/>
@@ -5451,21 +5872,29 @@
           <a:p>
             <a:r>
               <a:rPr lang="ko-KR" altLang="en-US" dirty="0"/>
-              <a:t>게임정보 화면 전체 평점</a:t>
-            </a:r>
-          </a:p>
-        </p:txBody>
-      </p:sp>
-      <p:sp>
-        <p:nvSpPr>
-          <p:cNvPr id="32" name="TextBox 31"/>
+              <a:t>회원</a:t>
+            </a:r>
+            <a:r>
+              <a:rPr lang="en-US" altLang="ko-KR" dirty="0"/>
+              <a:t> </a:t>
+            </a:r>
+            <a:r>
+              <a:rPr lang="ko-KR" altLang="en-US" dirty="0"/>
+              <a:t>정보</a:t>
+            </a:r>
+          </a:p>
+        </p:txBody>
+      </p:sp>
+      <p:sp>
+        <p:nvSpPr>
+          <p:cNvPr id="111" name="TextBox 110"/>
           <p:cNvSpPr txBox="1"/>
           <p:nvPr/>
         </p:nvSpPr>
         <p:spPr>
           <a:xfrm>
-            <a:off x="6559689" y="3673100"/>
-            <a:ext cx="3136761" cy="369332"/>
+            <a:off x="5094708" y="459643"/>
+            <a:ext cx="1341912" cy="369332"/>
           </a:xfrm>
           <a:prstGeom prst="rect">
             <a:avLst/>
@@ -5480,21 +5909,136 @@
           <a:p>
             <a:r>
               <a:rPr lang="ko-KR" altLang="en-US" dirty="0"/>
-              <a:t>게임정보 화면 점수당 인원</a:t>
-            </a:r>
-          </a:p>
-        </p:txBody>
-      </p:sp>
-      <p:sp>
-        <p:nvSpPr>
-          <p:cNvPr id="33" name="TextBox 32"/>
+              <a:t>게임</a:t>
+            </a:r>
+            <a:r>
+              <a:rPr lang="en-US" altLang="ko-KR" dirty="0"/>
+              <a:t> </a:t>
+            </a:r>
+            <a:r>
+              <a:rPr lang="ko-KR" altLang="en-US" dirty="0"/>
+              <a:t>정보</a:t>
+            </a:r>
+          </a:p>
+        </p:txBody>
+      </p:sp>
+      <p:cxnSp>
+        <p:nvCxnSpPr>
+          <p:cNvPr id="112" name="직선 화살표 연결선 111"/>
+          <p:cNvCxnSpPr>
+            <a:stCxn id="111" idx="2"/>
+            <a:endCxn id="23" idx="1"/>
+          </p:cNvCxnSpPr>
+          <p:nvPr/>
+        </p:nvCxnSpPr>
+        <p:spPr>
+          <a:xfrm>
+            <a:off x="5765664" y="828975"/>
+            <a:ext cx="726888" cy="2427892"/>
+          </a:xfrm>
+          <a:prstGeom prst="straightConnector1">
+            <a:avLst/>
+          </a:prstGeom>
+          <a:ln w="25400">
+            <a:tailEnd type="triangle" w="lg" len="lg"/>
+          </a:ln>
+        </p:spPr>
+        <p:style>
+          <a:lnRef idx="1">
+            <a:schemeClr val="accent1"/>
+          </a:lnRef>
+          <a:fillRef idx="0">
+            <a:schemeClr val="accent1"/>
+          </a:fillRef>
+          <a:effectRef idx="0">
+            <a:schemeClr val="accent1"/>
+          </a:effectRef>
+          <a:fontRef idx="minor">
+            <a:schemeClr val="tx1"/>
+          </a:fontRef>
+        </p:style>
+      </p:cxnSp>
+      <p:cxnSp>
+        <p:nvCxnSpPr>
+          <p:cNvPr id="113" name="직선 화살표 연결선 112"/>
+          <p:cNvCxnSpPr>
+            <a:stCxn id="110" idx="2"/>
+            <a:endCxn id="23" idx="0"/>
+          </p:cNvCxnSpPr>
+          <p:nvPr/>
+        </p:nvCxnSpPr>
+        <p:spPr>
+          <a:xfrm>
+            <a:off x="6676192" y="1271017"/>
+            <a:ext cx="443345" cy="1799187"/>
+          </a:xfrm>
+          <a:prstGeom prst="straightConnector1">
+            <a:avLst/>
+          </a:prstGeom>
+          <a:ln w="25400">
+            <a:tailEnd type="triangle" w="lg" len="lg"/>
+          </a:ln>
+        </p:spPr>
+        <p:style>
+          <a:lnRef idx="1">
+            <a:schemeClr val="accent1"/>
+          </a:lnRef>
+          <a:fillRef idx="0">
+            <a:schemeClr val="accent1"/>
+          </a:fillRef>
+          <a:effectRef idx="0">
+            <a:schemeClr val="accent1"/>
+          </a:effectRef>
+          <a:fontRef idx="minor">
+            <a:schemeClr val="tx1"/>
+          </a:fontRef>
+        </p:style>
+      </p:cxnSp>
+      <p:cxnSp>
+        <p:nvCxnSpPr>
+          <p:cNvPr id="120" name="직선 화살표 연결선 119"/>
+          <p:cNvCxnSpPr>
+            <a:stCxn id="23" idx="7"/>
+          </p:cNvCxnSpPr>
+          <p:nvPr/>
+        </p:nvCxnSpPr>
+        <p:spPr>
+          <a:xfrm flipV="1">
+            <a:off x="7746521" y="3214506"/>
+            <a:ext cx="3957216" cy="42361"/>
+          </a:xfrm>
+          <a:prstGeom prst="straightConnector1">
+            <a:avLst/>
+          </a:prstGeom>
+          <a:ln w="25400">
+            <a:tailEnd type="triangle" w="lg" len="lg"/>
+          </a:ln>
+        </p:spPr>
+        <p:style>
+          <a:lnRef idx="1">
+            <a:schemeClr val="accent1"/>
+          </a:lnRef>
+          <a:fillRef idx="0">
+            <a:schemeClr val="accent1"/>
+          </a:fillRef>
+          <a:effectRef idx="0">
+            <a:schemeClr val="accent1"/>
+          </a:effectRef>
+          <a:fontRef idx="minor">
+            <a:schemeClr val="tx1"/>
+          </a:fontRef>
+        </p:style>
+      </p:cxnSp>
+      <p:sp>
+        <p:nvSpPr>
+          <p:cNvPr id="124" name="TextBox 123"/>
           <p:cNvSpPr txBox="1"/>
           <p:nvPr/>
         </p:nvSpPr>
         <p:spPr>
           <a:xfrm>
-            <a:off x="6470047" y="4184213"/>
-            <a:ext cx="2978753" cy="369332"/>
+            <a:off x="8812628" y="3214506"/>
+            <a:ext cx="2882684" cy="369332"/>
           </a:xfrm>
           <a:prstGeom prst="rect">
             <a:avLst/>
@@ -5509,21 +6053,21 @@
           <a:p>
             <a:r>
               <a:rPr lang="ko-KR" altLang="en-US" dirty="0"/>
-              <a:t>게임정보 화면 점수당 친구</a:t>
-            </a:r>
-          </a:p>
-        </p:txBody>
-      </p:sp>
-      <p:sp>
-        <p:nvSpPr>
-          <p:cNvPr id="35" name="TextBox 34"/>
+              <a:t>메인 화면 사용자 그래프</a:t>
+            </a:r>
+          </a:p>
+        </p:txBody>
+      </p:sp>
+      <p:sp>
+        <p:nvSpPr>
+          <p:cNvPr id="125" name="TextBox 124"/>
           <p:cNvSpPr txBox="1"/>
           <p:nvPr/>
         </p:nvSpPr>
         <p:spPr>
           <a:xfrm>
-            <a:off x="6534644" y="4772841"/>
-            <a:ext cx="2159852" cy="369332"/>
+            <a:off x="8814626" y="3668342"/>
+            <a:ext cx="2889111" cy="369332"/>
           </a:xfrm>
           <a:prstGeom prst="rect">
             <a:avLst/>
@@ -5538,6 +6082,93 @@
           <a:p>
             <a:r>
               <a:rPr lang="ko-KR" altLang="en-US" dirty="0"/>
+              <a:t>게임정보 화면 전체 평점</a:t>
+            </a:r>
+          </a:p>
+        </p:txBody>
+      </p:sp>
+      <p:sp>
+        <p:nvSpPr>
+          <p:cNvPr id="126" name="TextBox 125"/>
+          <p:cNvSpPr txBox="1"/>
+          <p:nvPr/>
+        </p:nvSpPr>
+        <p:spPr>
+          <a:xfrm>
+            <a:off x="8814627" y="4179455"/>
+            <a:ext cx="3136761" cy="369332"/>
+          </a:xfrm>
+          <a:prstGeom prst="rect">
+            <a:avLst/>
+          </a:prstGeom>
+          <a:noFill/>
+        </p:spPr>
+        <p:txBody>
+          <a:bodyPr wrap="square" rtlCol="0">
+            <a:spAutoFit/>
+          </a:bodyPr>
+          <a:lstStyle/>
+          <a:p>
+            <a:r>
+              <a:rPr lang="ko-KR" altLang="en-US" dirty="0"/>
+              <a:t>게임정보 화면 점수당 인원</a:t>
+            </a:r>
+          </a:p>
+        </p:txBody>
+      </p:sp>
+      <p:sp>
+        <p:nvSpPr>
+          <p:cNvPr id="127" name="TextBox 126"/>
+          <p:cNvSpPr txBox="1"/>
+          <p:nvPr/>
+        </p:nvSpPr>
+        <p:spPr>
+          <a:xfrm>
+            <a:off x="8724985" y="4690568"/>
+            <a:ext cx="2978753" cy="369332"/>
+          </a:xfrm>
+          <a:prstGeom prst="rect">
+            <a:avLst/>
+          </a:prstGeom>
+          <a:noFill/>
+        </p:spPr>
+        <p:txBody>
+          <a:bodyPr wrap="square" rtlCol="0">
+            <a:spAutoFit/>
+          </a:bodyPr>
+          <a:lstStyle/>
+          <a:p>
+            <a:r>
+              <a:rPr lang="ko-KR" altLang="en-US" dirty="0"/>
+              <a:t>게임정보 화면 점수당 친구</a:t>
+            </a:r>
+          </a:p>
+        </p:txBody>
+      </p:sp>
+      <p:sp>
+        <p:nvSpPr>
+          <p:cNvPr id="128" name="TextBox 127"/>
+          <p:cNvSpPr txBox="1"/>
+          <p:nvPr/>
+        </p:nvSpPr>
+        <p:spPr>
+          <a:xfrm>
+            <a:off x="8789582" y="5279196"/>
+            <a:ext cx="2159852" cy="369332"/>
+          </a:xfrm>
+          <a:prstGeom prst="rect">
+            <a:avLst/>
+          </a:prstGeom>
+          <a:noFill/>
+        </p:spPr>
+        <p:txBody>
+          <a:bodyPr wrap="square" rtlCol="0">
+            <a:spAutoFit/>
+          </a:bodyPr>
+          <a:lstStyle/>
+          <a:p>
+            <a:r>
+              <a:rPr lang="ko-KR" altLang="en-US" dirty="0"/>
               <a:t>내가 평가한 게임</a:t>
             </a:r>
           </a:p>
@@ -5545,13 +6176,13 @@
       </p:sp>
       <p:sp>
         <p:nvSpPr>
-          <p:cNvPr id="36" name="TextBox 35"/>
+          <p:cNvPr id="129" name="TextBox 128"/>
           <p:cNvSpPr txBox="1"/>
           <p:nvPr/>
         </p:nvSpPr>
         <p:spPr>
           <a:xfrm>
-            <a:off x="6470046" y="5189812"/>
+            <a:off x="8724984" y="5696167"/>
             <a:ext cx="2978753" cy="369332"/>
           </a:xfrm>
           <a:prstGeom prst="rect">
